--- a/Docker.pptx
+++ b/Docker.pptx
@@ -10,6 +10,7 @@
     <p:sldId id="260" r:id="rId4"/>
     <p:sldId id="262" r:id="rId5"/>
     <p:sldId id="264" r:id="rId6"/>
+    <p:sldId id="265" r:id="rId7"/>
   </p:sldIdLst>
   <p:sldSz cx="12192000" cy="6858000"/>
   <p:notesSz cx="6858000" cy="9144000"/>
@@ -108,6 +109,11 @@
       </a:defRPr>
     </a:lvl9pPr>
   </p:defaultTextStyle>
+  <p:extLst>
+    <p:ext uri="{EFAFB233-063F-42B5-8137-9DF3F51BA10A}">
+      <p15:sldGuideLst xmlns:p15="http://schemas.microsoft.com/office/powerpoint/2012/main"/>
+    </p:ext>
+  </p:extLst>
 </p:presentation>
 </file>
 
@@ -260,7 +266,7 @@
           <a:p>
             <a:fld id="{6248C433-4F6F-4902-BD58-2FD334C8DC60}" type="datetimeFigureOut">
               <a:rPr lang="en-IN" smtClean="0"/>
-              <a:t>09-06-2021</a:t>
+              <a:t>10-06-2021</a:t>
             </a:fld>
             <a:endParaRPr lang="en-IN"/>
           </a:p>
@@ -460,7 +466,7 @@
           <a:p>
             <a:fld id="{6248C433-4F6F-4902-BD58-2FD334C8DC60}" type="datetimeFigureOut">
               <a:rPr lang="en-IN" smtClean="0"/>
-              <a:t>09-06-2021</a:t>
+              <a:t>10-06-2021</a:t>
             </a:fld>
             <a:endParaRPr lang="en-IN"/>
           </a:p>
@@ -670,7 +676,7 @@
           <a:p>
             <a:fld id="{6248C433-4F6F-4902-BD58-2FD334C8DC60}" type="datetimeFigureOut">
               <a:rPr lang="en-IN" smtClean="0"/>
-              <a:t>09-06-2021</a:t>
+              <a:t>10-06-2021</a:t>
             </a:fld>
             <a:endParaRPr lang="en-IN"/>
           </a:p>
@@ -870,7 +876,7 @@
           <a:p>
             <a:fld id="{6248C433-4F6F-4902-BD58-2FD334C8DC60}" type="datetimeFigureOut">
               <a:rPr lang="en-IN" smtClean="0"/>
-              <a:t>09-06-2021</a:t>
+              <a:t>10-06-2021</a:t>
             </a:fld>
             <a:endParaRPr lang="en-IN"/>
           </a:p>
@@ -1146,7 +1152,7 @@
           <a:p>
             <a:fld id="{6248C433-4F6F-4902-BD58-2FD334C8DC60}" type="datetimeFigureOut">
               <a:rPr lang="en-IN" smtClean="0"/>
-              <a:t>09-06-2021</a:t>
+              <a:t>10-06-2021</a:t>
             </a:fld>
             <a:endParaRPr lang="en-IN"/>
           </a:p>
@@ -1414,7 +1420,7 @@
           <a:p>
             <a:fld id="{6248C433-4F6F-4902-BD58-2FD334C8DC60}" type="datetimeFigureOut">
               <a:rPr lang="en-IN" smtClean="0"/>
-              <a:t>09-06-2021</a:t>
+              <a:t>10-06-2021</a:t>
             </a:fld>
             <a:endParaRPr lang="en-IN"/>
           </a:p>
@@ -1829,7 +1835,7 @@
           <a:p>
             <a:fld id="{6248C433-4F6F-4902-BD58-2FD334C8DC60}" type="datetimeFigureOut">
               <a:rPr lang="en-IN" smtClean="0"/>
-              <a:t>09-06-2021</a:t>
+              <a:t>10-06-2021</a:t>
             </a:fld>
             <a:endParaRPr lang="en-IN"/>
           </a:p>
@@ -1971,7 +1977,7 @@
           <a:p>
             <a:fld id="{6248C433-4F6F-4902-BD58-2FD334C8DC60}" type="datetimeFigureOut">
               <a:rPr lang="en-IN" smtClean="0"/>
-              <a:t>09-06-2021</a:t>
+              <a:t>10-06-2021</a:t>
             </a:fld>
             <a:endParaRPr lang="en-IN"/>
           </a:p>
@@ -2084,7 +2090,7 @@
           <a:p>
             <a:fld id="{6248C433-4F6F-4902-BD58-2FD334C8DC60}" type="datetimeFigureOut">
               <a:rPr lang="en-IN" smtClean="0"/>
-              <a:t>09-06-2021</a:t>
+              <a:t>10-06-2021</a:t>
             </a:fld>
             <a:endParaRPr lang="en-IN"/>
           </a:p>
@@ -2397,7 +2403,7 @@
           <a:p>
             <a:fld id="{6248C433-4F6F-4902-BD58-2FD334C8DC60}" type="datetimeFigureOut">
               <a:rPr lang="en-IN" smtClean="0"/>
-              <a:t>09-06-2021</a:t>
+              <a:t>10-06-2021</a:t>
             </a:fld>
             <a:endParaRPr lang="en-IN"/>
           </a:p>
@@ -2686,7 +2692,7 @@
           <a:p>
             <a:fld id="{6248C433-4F6F-4902-BD58-2FD334C8DC60}" type="datetimeFigureOut">
               <a:rPr lang="en-IN" smtClean="0"/>
-              <a:t>09-06-2021</a:t>
+              <a:t>10-06-2021</a:t>
             </a:fld>
             <a:endParaRPr lang="en-IN"/>
           </a:p>
@@ -2929,7 +2935,7 @@
           <a:p>
             <a:fld id="{6248C433-4F6F-4902-BD58-2FD334C8DC60}" type="datetimeFigureOut">
               <a:rPr lang="en-IN" smtClean="0"/>
-              <a:t>09-06-2021</a:t>
+              <a:t>10-06-2021</a:t>
             </a:fld>
             <a:endParaRPr lang="en-IN"/>
           </a:p>
@@ -3826,7 +3832,7 @@
         <p:spPr>
           <a:xfrm>
             <a:off x="683581" y="337351"/>
-            <a:ext cx="8458199" cy="5078313"/>
+            <a:ext cx="8458199" cy="5355312"/>
           </a:xfrm>
           <a:prstGeom prst="rect">
             <a:avLst/>
@@ -3915,6 +3921,21 @@
               <a:buFont typeface="Symbol" panose="05050102010706020507" pitchFamily="18" charset="2"/>
               <a:buChar char="Þ"/>
             </a:pPr>
+            <a:r>
+              <a:rPr lang="en-IN" dirty="0">
+                <a:latin typeface="+mj-lt"/>
+              </a:rPr>
+              <a:t>Mac </a:t>
+            </a:r>
+            <a:endParaRPr lang="en-IN" sz="1800" dirty="0">
+              <a:latin typeface="+mj-lt"/>
+            </a:endParaRPr>
+          </a:p>
+          <a:p>
+            <a:pPr marL="285750" indent="-285750" algn="l">
+              <a:buFont typeface="Symbol" panose="05050102010706020507" pitchFamily="18" charset="2"/>
+              <a:buChar char="Þ"/>
+            </a:pPr>
             <a:endParaRPr lang="en-IN" dirty="0">
               <a:latin typeface="+mj-lt"/>
             </a:endParaRPr>
@@ -3925,7 +3946,19 @@
               <a:rPr lang="en-IN" dirty="0">
                 <a:latin typeface="+mj-lt"/>
               </a:rPr>
-              <a:t>code + Jar 	-&gt; IMAGE</a:t>
+              <a:t>code/Jar + </a:t>
+            </a:r>
+            <a:r>
+              <a:rPr lang="en-IN" dirty="0" err="1">
+                <a:latin typeface="+mj-lt"/>
+              </a:rPr>
+              <a:t>Docerfile</a:t>
+            </a:r>
+            <a:r>
+              <a:rPr lang="en-IN" dirty="0">
+                <a:latin typeface="+mj-lt"/>
+              </a:rPr>
+              <a:t>	-&gt; IMAGE</a:t>
             </a:r>
           </a:p>
           <a:p>
@@ -4360,6 +4393,455 @@
     <p:extLst>
       <p:ext uri="{BB962C8B-B14F-4D97-AF65-F5344CB8AC3E}">
         <p14:creationId xmlns:p14="http://schemas.microsoft.com/office/powerpoint/2010/main" val="3180427398"/>
+      </p:ext>
+    </p:extLst>
+  </p:cSld>
+  <p:clrMapOvr>
+    <a:masterClrMapping/>
+  </p:clrMapOvr>
+</p:sld>
+</file>
+
+<file path=ppt/slides/slide6.xml><?xml version="1.0" encoding="utf-8"?>
+<p:sld xmlns:a="http://schemas.openxmlformats.org/drawingml/2006/main" xmlns:r="http://schemas.openxmlformats.org/officeDocument/2006/relationships" xmlns:p="http://schemas.openxmlformats.org/presentationml/2006/main">
+  <p:cSld>
+    <p:spTree>
+      <p:nvGrpSpPr>
+        <p:cNvPr id="1" name=""/>
+        <p:cNvGrpSpPr/>
+        <p:nvPr/>
+      </p:nvGrpSpPr>
+      <p:grpSpPr>
+        <a:xfrm>
+          <a:off x="0" y="0"/>
+          <a:ext cx="0" cy="0"/>
+          <a:chOff x="0" y="0"/>
+          <a:chExt cx="0" cy="0"/>
+        </a:xfrm>
+      </p:grpSpPr>
+      <p:sp>
+        <p:nvSpPr>
+          <p:cNvPr id="3" name="TextBox 2">
+            <a:extLst>
+              <a:ext uri="{FF2B5EF4-FFF2-40B4-BE49-F238E27FC236}">
+                <a16:creationId xmlns:a16="http://schemas.microsoft.com/office/drawing/2014/main" id="{FF3D3409-E391-4AEE-885A-827117D1A59C}"/>
+              </a:ext>
+            </a:extLst>
+          </p:cNvPr>
+          <p:cNvSpPr txBox="1"/>
+          <p:nvPr/>
+        </p:nvSpPr>
+        <p:spPr>
+          <a:xfrm>
+            <a:off x="239698" y="479394"/>
+            <a:ext cx="8973104" cy="6740307"/>
+          </a:xfrm>
+          <a:prstGeom prst="rect">
+            <a:avLst/>
+          </a:prstGeom>
+          <a:noFill/>
+        </p:spPr>
+        <p:txBody>
+          <a:bodyPr wrap="square">
+            <a:spAutoFit/>
+          </a:bodyPr>
+          <a:lstStyle/>
+          <a:p>
+            <a:pPr algn="l"/>
+            <a:r>
+              <a:rPr lang="en-US" b="0" i="0" dirty="0">
+                <a:solidFill>
+                  <a:srgbClr val="33444D"/>
+                </a:solidFill>
+                <a:effectLst/>
+                <a:latin typeface="Geomanist Book"/>
+              </a:rPr>
+              <a:t>Docker commands :</a:t>
+            </a:r>
+          </a:p>
+          <a:p>
+            <a:pPr marL="342900" indent="-342900" algn="l">
+              <a:buAutoNum type="arabicPeriod"/>
+            </a:pPr>
+            <a:r>
+              <a:rPr lang="en-US" dirty="0">
+                <a:solidFill>
+                  <a:srgbClr val="33444D"/>
+                </a:solidFill>
+                <a:latin typeface="Geomanist Book"/>
+              </a:rPr>
+              <a:t>Change location to project folder</a:t>
+            </a:r>
+          </a:p>
+          <a:p>
+            <a:pPr algn="l"/>
+            <a:r>
+              <a:rPr lang="en-US" dirty="0">
+                <a:solidFill>
+                  <a:srgbClr val="33444D"/>
+                </a:solidFill>
+                <a:latin typeface="Geomanist Book"/>
+              </a:rPr>
+              <a:t>	Cd &lt;project locations&gt;</a:t>
+            </a:r>
+          </a:p>
+          <a:p>
+            <a:pPr algn="l"/>
+            <a:r>
+              <a:rPr lang="en-US" dirty="0">
+                <a:solidFill>
+                  <a:srgbClr val="33444D"/>
+                </a:solidFill>
+                <a:latin typeface="Geomanist Book"/>
+              </a:rPr>
+              <a:t>2.Create Docker Image </a:t>
+            </a:r>
+          </a:p>
+          <a:p>
+            <a:pPr algn="l"/>
+            <a:r>
+              <a:rPr lang="en-US">
+                <a:solidFill>
+                  <a:srgbClr val="33444D"/>
+                </a:solidFill>
+                <a:latin typeface="Geomanist Book"/>
+              </a:rPr>
+              <a:t>Docker build --help</a:t>
+            </a:r>
+            <a:endParaRPr lang="en-US" dirty="0">
+              <a:solidFill>
+                <a:srgbClr val="33444D"/>
+              </a:solidFill>
+              <a:latin typeface="Geomanist Book"/>
+            </a:endParaRPr>
+          </a:p>
+          <a:p>
+            <a:pPr algn="l"/>
+            <a:r>
+              <a:rPr lang="en-US" dirty="0">
+                <a:solidFill>
+                  <a:srgbClr val="33444D"/>
+                </a:solidFill>
+                <a:latin typeface="Geomanist Book"/>
+              </a:rPr>
+              <a:t>docker build –f </a:t>
+            </a:r>
+            <a:r>
+              <a:rPr lang="en-US" dirty="0" err="1">
+                <a:solidFill>
+                  <a:srgbClr val="33444D"/>
+                </a:solidFill>
+                <a:latin typeface="Geomanist Book"/>
+              </a:rPr>
+              <a:t>Dockerfile</a:t>
+            </a:r>
+            <a:r>
+              <a:rPr lang="en-US" dirty="0">
+                <a:solidFill>
+                  <a:srgbClr val="33444D"/>
+                </a:solidFill>
+                <a:latin typeface="Geomanist Book"/>
+              </a:rPr>
+              <a:t> –t &lt;</a:t>
+            </a:r>
+            <a:r>
+              <a:rPr lang="en-US" dirty="0" err="1">
+                <a:solidFill>
+                  <a:srgbClr val="33444D"/>
+                </a:solidFill>
+                <a:latin typeface="Geomanist Book"/>
+              </a:rPr>
+              <a:t>tagName</a:t>
+            </a:r>
+            <a:r>
+              <a:rPr lang="en-US" dirty="0">
+                <a:solidFill>
+                  <a:srgbClr val="33444D"/>
+                </a:solidFill>
+                <a:latin typeface="Geomanist Book"/>
+              </a:rPr>
+              <a:t>&gt; &lt;location&gt;</a:t>
+            </a:r>
+          </a:p>
+          <a:p>
+            <a:pPr algn="l"/>
+            <a:endParaRPr lang="en-US" dirty="0">
+              <a:solidFill>
+                <a:srgbClr val="33444D"/>
+              </a:solidFill>
+              <a:latin typeface="Geomanist Book"/>
+            </a:endParaRPr>
+          </a:p>
+          <a:p>
+            <a:pPr algn="l"/>
+            <a:r>
+              <a:rPr lang="en-US" dirty="0">
+                <a:solidFill>
+                  <a:srgbClr val="33444D"/>
+                </a:solidFill>
+                <a:latin typeface="Geomanist Book"/>
+              </a:rPr>
+              <a:t>docker build –f </a:t>
+            </a:r>
+            <a:r>
+              <a:rPr lang="en-US" dirty="0" err="1">
+                <a:solidFill>
+                  <a:srgbClr val="33444D"/>
+                </a:solidFill>
+                <a:latin typeface="Geomanist Book"/>
+              </a:rPr>
+              <a:t>Dockerfile</a:t>
+            </a:r>
+            <a:r>
+              <a:rPr lang="en-US" dirty="0">
+                <a:solidFill>
+                  <a:srgbClr val="33444D"/>
+                </a:solidFill>
+                <a:latin typeface="Geomanist Book"/>
+              </a:rPr>
+              <a:t> –t docker-image  .</a:t>
+            </a:r>
+          </a:p>
+          <a:p>
+            <a:pPr algn="l"/>
+            <a:endParaRPr lang="en-US" dirty="0">
+              <a:solidFill>
+                <a:srgbClr val="33444D"/>
+              </a:solidFill>
+              <a:latin typeface="Geomanist Book"/>
+            </a:endParaRPr>
+          </a:p>
+          <a:p>
+            <a:pPr algn="l"/>
+            <a:r>
+              <a:rPr lang="en-US" dirty="0">
+                <a:solidFill>
+                  <a:srgbClr val="33444D"/>
+                </a:solidFill>
+                <a:latin typeface="Geomanist Book"/>
+              </a:rPr>
+              <a:t>Tag created successfully : &lt;</a:t>
+            </a:r>
+            <a:r>
+              <a:rPr lang="en-US" dirty="0" err="1">
+                <a:solidFill>
+                  <a:srgbClr val="33444D"/>
+                </a:solidFill>
+                <a:latin typeface="Geomanist Book"/>
+              </a:rPr>
+              <a:t>image_name</a:t>
+            </a:r>
+            <a:r>
+              <a:rPr lang="en-US" dirty="0">
+                <a:solidFill>
+                  <a:srgbClr val="33444D"/>
+                </a:solidFill>
+                <a:latin typeface="Geomanist Book"/>
+              </a:rPr>
+              <a:t>&gt;:&lt;</a:t>
+            </a:r>
+            <a:r>
+              <a:rPr lang="en-US" dirty="0" err="1">
+                <a:solidFill>
+                  <a:srgbClr val="33444D"/>
+                </a:solidFill>
+                <a:latin typeface="Geomanist Book"/>
+              </a:rPr>
+              <a:t>tagVersion</a:t>
+            </a:r>
+            <a:r>
+              <a:rPr lang="en-US" dirty="0">
+                <a:solidFill>
+                  <a:srgbClr val="33444D"/>
+                </a:solidFill>
+                <a:latin typeface="Geomanist Book"/>
+              </a:rPr>
+              <a:t>&gt;</a:t>
+            </a:r>
+          </a:p>
+          <a:p>
+            <a:pPr algn="l"/>
+            <a:endParaRPr lang="en-US" dirty="0">
+              <a:solidFill>
+                <a:srgbClr val="33444D"/>
+              </a:solidFill>
+              <a:latin typeface="Geomanist Book"/>
+            </a:endParaRPr>
+          </a:p>
+          <a:p>
+            <a:pPr algn="l"/>
+            <a:r>
+              <a:rPr lang="en-US" dirty="0">
+                <a:solidFill>
+                  <a:srgbClr val="33444D"/>
+                </a:solidFill>
+                <a:latin typeface="Geomanist Book"/>
+              </a:rPr>
+              <a:t>                ex : docker-demo-0.1:v1</a:t>
+            </a:r>
+            <a:br>
+              <a:rPr lang="en-US" dirty="0">
+                <a:solidFill>
+                  <a:srgbClr val="33444D"/>
+                </a:solidFill>
+                <a:latin typeface="Geomanist Book"/>
+              </a:rPr>
+            </a:br>
+            <a:r>
+              <a:rPr lang="en-US" dirty="0">
+                <a:solidFill>
+                  <a:srgbClr val="33444D"/>
+                </a:solidFill>
+                <a:latin typeface="Geomanist Book"/>
+              </a:rPr>
+              <a:t>3. check existed images </a:t>
+            </a:r>
+          </a:p>
+          <a:p>
+            <a:pPr algn="l"/>
+            <a:r>
+              <a:rPr lang="en-US" dirty="0">
+                <a:solidFill>
+                  <a:srgbClr val="33444D"/>
+                </a:solidFill>
+                <a:latin typeface="Geomanist Book"/>
+              </a:rPr>
+              <a:t>docker image ls</a:t>
+            </a:r>
+          </a:p>
+          <a:p>
+            <a:pPr algn="l"/>
+            <a:endParaRPr lang="en-US" dirty="0">
+              <a:solidFill>
+                <a:srgbClr val="33444D"/>
+              </a:solidFill>
+              <a:latin typeface="Geomanist Book"/>
+            </a:endParaRPr>
+          </a:p>
+          <a:p>
+            <a:pPr algn="l"/>
+            <a:r>
+              <a:rPr lang="en-US" dirty="0">
+                <a:solidFill>
+                  <a:srgbClr val="33444D"/>
+                </a:solidFill>
+                <a:latin typeface="Geomanist Book"/>
+              </a:rPr>
+              <a:t>4. ** Run image </a:t>
+            </a:r>
+          </a:p>
+          <a:p>
+            <a:pPr algn="l"/>
+            <a:r>
+              <a:rPr lang="en-US" dirty="0">
+                <a:solidFill>
+                  <a:srgbClr val="33444D"/>
+                </a:solidFill>
+                <a:latin typeface="Geomanist Book"/>
+              </a:rPr>
+              <a:t>docker run –p &lt;</a:t>
+            </a:r>
+            <a:r>
+              <a:rPr lang="en-US" dirty="0" err="1">
+                <a:solidFill>
+                  <a:srgbClr val="33444D"/>
+                </a:solidFill>
+                <a:latin typeface="Geomanist Book"/>
+              </a:rPr>
+              <a:t>masked_port</a:t>
+            </a:r>
+            <a:r>
+              <a:rPr lang="en-US" dirty="0">
+                <a:solidFill>
+                  <a:srgbClr val="33444D"/>
+                </a:solidFill>
+                <a:latin typeface="Geomanist Book"/>
+              </a:rPr>
+              <a:t>&gt;:&lt;</a:t>
+            </a:r>
+            <a:r>
+              <a:rPr lang="en-US" dirty="0" err="1">
+                <a:solidFill>
+                  <a:srgbClr val="33444D"/>
+                </a:solidFill>
+                <a:latin typeface="Geomanist Book"/>
+              </a:rPr>
+              <a:t>actual_port</a:t>
+            </a:r>
+            <a:r>
+              <a:rPr lang="en-US" dirty="0">
+                <a:solidFill>
+                  <a:srgbClr val="33444D"/>
+                </a:solidFill>
+                <a:latin typeface="Geomanist Book"/>
+              </a:rPr>
+              <a:t>&gt; image</a:t>
+            </a:r>
+          </a:p>
+          <a:p>
+            <a:pPr algn="l"/>
+            <a:r>
+              <a:rPr lang="en-US" dirty="0">
+                <a:solidFill>
+                  <a:srgbClr val="33444D"/>
+                </a:solidFill>
+                <a:latin typeface="Geomanist Book"/>
+              </a:rPr>
+              <a:t>docker run  -p 9090:8080 docker-image</a:t>
+            </a:r>
+          </a:p>
+          <a:p>
+            <a:pPr algn="l"/>
+            <a:endParaRPr lang="en-US" dirty="0">
+              <a:solidFill>
+                <a:srgbClr val="33444D"/>
+              </a:solidFill>
+              <a:latin typeface="Geomanist Book"/>
+            </a:endParaRPr>
+          </a:p>
+          <a:p>
+            <a:pPr algn="l"/>
+            <a:r>
+              <a:rPr lang="en-US" dirty="0">
+                <a:solidFill>
+                  <a:srgbClr val="33444D"/>
+                </a:solidFill>
+                <a:latin typeface="Geomanist Book"/>
+              </a:rPr>
+              <a:t>8080 will mask to 9090</a:t>
+            </a:r>
+          </a:p>
+          <a:p>
+            <a:pPr algn="l"/>
+            <a:endParaRPr lang="en-US" dirty="0">
+              <a:solidFill>
+                <a:srgbClr val="33444D"/>
+              </a:solidFill>
+              <a:latin typeface="Geomanist Book"/>
+            </a:endParaRPr>
+          </a:p>
+          <a:p>
+            <a:pPr algn="l"/>
+            <a:endParaRPr lang="en-US" b="0" i="0" dirty="0">
+              <a:solidFill>
+                <a:srgbClr val="33444D"/>
+              </a:solidFill>
+              <a:effectLst/>
+              <a:latin typeface="Geomanist Book"/>
+            </a:endParaRPr>
+          </a:p>
+          <a:p>
+            <a:br>
+              <a:rPr lang="en-US" dirty="0"/>
+            </a:br>
+            <a:endParaRPr lang="en-IN" dirty="0"/>
+          </a:p>
+        </p:txBody>
+      </p:sp>
+    </p:spTree>
+    <p:extLst>
+      <p:ext uri="{BB962C8B-B14F-4D97-AF65-F5344CB8AC3E}">
+        <p14:creationId xmlns:p14="http://schemas.microsoft.com/office/powerpoint/2010/main" val="3489693543"/>
       </p:ext>
     </p:extLst>
   </p:cSld>
